--- a/3D Driving Car/meet_1016.pptx
+++ b/3D Driving Car/meet_1016.pptx
@@ -9,6 +9,15 @@
     <p:sldId id="259" r:id="rId3"/>
     <p:sldId id="256" r:id="rId4"/>
     <p:sldId id="257" r:id="rId5"/>
+    <p:sldId id="260" r:id="rId6"/>
+    <p:sldId id="261" r:id="rId7"/>
+    <p:sldId id="262" r:id="rId8"/>
+    <p:sldId id="264" r:id="rId9"/>
+    <p:sldId id="263" r:id="rId10"/>
+    <p:sldId id="266" r:id="rId11"/>
+    <p:sldId id="265" r:id="rId12"/>
+    <p:sldId id="267" r:id="rId13"/>
+    <p:sldId id="268" r:id="rId14"/>
   </p:sldIdLst>
   <p:sldSz cx="12192000" cy="6858000"/>
   <p:notesSz cx="6858000" cy="9144000"/>
@@ -107,6 +116,11 @@
       </a:defRPr>
     </a:lvl9pPr>
   </p:defaultTextStyle>
+  <p:extLst>
+    <p:ext uri="{EFAFB233-063F-42B5-8137-9DF3F51BA10A}">
+      <p15:sldGuideLst xmlns:p15="http://schemas.microsoft.com/office/powerpoint/2012/main"/>
+    </p:ext>
+  </p:extLst>
 </p:presentation>
 </file>
 
@@ -241,7 +255,7 @@
           <a:p>
             <a:fld id="{0A33AC99-A613-1C4A-BA8E-F2B169C96553}" type="datetimeFigureOut">
               <a:rPr kumimoji="1" lang="zh-TW" altLang="en-US" smtClean="0"/>
-              <a:t>2017/10/16</a:t>
+              <a:t>2017/10/17</a:t>
             </a:fld>
             <a:endParaRPr kumimoji="1" lang="zh-TW" altLang="en-US"/>
           </a:p>
@@ -411,7 +425,7 @@
           <a:p>
             <a:fld id="{0A33AC99-A613-1C4A-BA8E-F2B169C96553}" type="datetimeFigureOut">
               <a:rPr kumimoji="1" lang="zh-TW" altLang="en-US" smtClean="0"/>
-              <a:t>2017/10/16</a:t>
+              <a:t>2017/10/17</a:t>
             </a:fld>
             <a:endParaRPr kumimoji="1" lang="zh-TW" altLang="en-US"/>
           </a:p>
@@ -591,7 +605,7 @@
           <a:p>
             <a:fld id="{0A33AC99-A613-1C4A-BA8E-F2B169C96553}" type="datetimeFigureOut">
               <a:rPr kumimoji="1" lang="zh-TW" altLang="en-US" smtClean="0"/>
-              <a:t>2017/10/16</a:t>
+              <a:t>2017/10/17</a:t>
             </a:fld>
             <a:endParaRPr kumimoji="1" lang="zh-TW" altLang="en-US"/>
           </a:p>
@@ -761,7 +775,7 @@
           <a:p>
             <a:fld id="{0A33AC99-A613-1C4A-BA8E-F2B169C96553}" type="datetimeFigureOut">
               <a:rPr kumimoji="1" lang="zh-TW" altLang="en-US" smtClean="0"/>
-              <a:t>2017/10/16</a:t>
+              <a:t>2017/10/17</a:t>
             </a:fld>
             <a:endParaRPr kumimoji="1" lang="zh-TW" altLang="en-US"/>
           </a:p>
@@ -1007,7 +1021,7 @@
           <a:p>
             <a:fld id="{0A33AC99-A613-1C4A-BA8E-F2B169C96553}" type="datetimeFigureOut">
               <a:rPr kumimoji="1" lang="zh-TW" altLang="en-US" smtClean="0"/>
-              <a:t>2017/10/16</a:t>
+              <a:t>2017/10/17</a:t>
             </a:fld>
             <a:endParaRPr kumimoji="1" lang="zh-TW" altLang="en-US"/>
           </a:p>
@@ -1239,7 +1253,7 @@
           <a:p>
             <a:fld id="{0A33AC99-A613-1C4A-BA8E-F2B169C96553}" type="datetimeFigureOut">
               <a:rPr kumimoji="1" lang="zh-TW" altLang="en-US" smtClean="0"/>
-              <a:t>2017/10/16</a:t>
+              <a:t>2017/10/17</a:t>
             </a:fld>
             <a:endParaRPr kumimoji="1" lang="zh-TW" altLang="en-US"/>
           </a:p>
@@ -1606,7 +1620,7 @@
           <a:p>
             <a:fld id="{0A33AC99-A613-1C4A-BA8E-F2B169C96553}" type="datetimeFigureOut">
               <a:rPr kumimoji="1" lang="zh-TW" altLang="en-US" smtClean="0"/>
-              <a:t>2017/10/16</a:t>
+              <a:t>2017/10/17</a:t>
             </a:fld>
             <a:endParaRPr kumimoji="1" lang="zh-TW" altLang="en-US"/>
           </a:p>
@@ -1724,7 +1738,7 @@
           <a:p>
             <a:fld id="{0A33AC99-A613-1C4A-BA8E-F2B169C96553}" type="datetimeFigureOut">
               <a:rPr kumimoji="1" lang="zh-TW" altLang="en-US" smtClean="0"/>
-              <a:t>2017/10/16</a:t>
+              <a:t>2017/10/17</a:t>
             </a:fld>
             <a:endParaRPr kumimoji="1" lang="zh-TW" altLang="en-US"/>
           </a:p>
@@ -1819,7 +1833,7 @@
           <a:p>
             <a:fld id="{0A33AC99-A613-1C4A-BA8E-F2B169C96553}" type="datetimeFigureOut">
               <a:rPr kumimoji="1" lang="zh-TW" altLang="en-US" smtClean="0"/>
-              <a:t>2017/10/16</a:t>
+              <a:t>2017/10/17</a:t>
             </a:fld>
             <a:endParaRPr kumimoji="1" lang="zh-TW" altLang="en-US"/>
           </a:p>
@@ -2096,7 +2110,7 @@
           <a:p>
             <a:fld id="{0A33AC99-A613-1C4A-BA8E-F2B169C96553}" type="datetimeFigureOut">
               <a:rPr kumimoji="1" lang="zh-TW" altLang="en-US" smtClean="0"/>
-              <a:t>2017/10/16</a:t>
+              <a:t>2017/10/17</a:t>
             </a:fld>
             <a:endParaRPr kumimoji="1" lang="zh-TW" altLang="en-US"/>
           </a:p>
@@ -2349,7 +2363,7 @@
           <a:p>
             <a:fld id="{0A33AC99-A613-1C4A-BA8E-F2B169C96553}" type="datetimeFigureOut">
               <a:rPr kumimoji="1" lang="zh-TW" altLang="en-US" smtClean="0"/>
-              <a:t>2017/10/16</a:t>
+              <a:t>2017/10/17</a:t>
             </a:fld>
             <a:endParaRPr kumimoji="1" lang="zh-TW" altLang="en-US"/>
           </a:p>
@@ -2562,7 +2576,7 @@
           <a:p>
             <a:fld id="{0A33AC99-A613-1C4A-BA8E-F2B169C96553}" type="datetimeFigureOut">
               <a:rPr kumimoji="1" lang="zh-TW" altLang="en-US" smtClean="0"/>
-              <a:t>2017/10/16</a:t>
+              <a:t>2017/10/17</a:t>
             </a:fld>
             <a:endParaRPr kumimoji="1" lang="zh-TW" altLang="en-US"/>
           </a:p>
@@ -3033,6 +3047,563 @@
   <p:clrMapOvr>
     <a:masterClrMapping/>
   </p:clrMapOvr>
+  <p:timing>
+    <p:tnLst>
+      <p:par>
+        <p:cTn id="1" dur="indefinite" restart="never" nodeType="tmRoot"/>
+      </p:par>
+    </p:tnLst>
+  </p:timing>
+</p:sld>
+</file>
+
+<file path=ppt/slides/slide10.xml><?xml version="1.0" encoding="utf-8"?>
+<p:sld xmlns:a="http://schemas.openxmlformats.org/drawingml/2006/main" xmlns:r="http://schemas.openxmlformats.org/officeDocument/2006/relationships" xmlns:p="http://schemas.openxmlformats.org/presentationml/2006/main">
+  <p:cSld>
+    <p:spTree>
+      <p:nvGrpSpPr>
+        <p:cNvPr id="1" name=""/>
+        <p:cNvGrpSpPr/>
+        <p:nvPr/>
+      </p:nvGrpSpPr>
+      <p:grpSpPr>
+        <a:xfrm>
+          <a:off x="0" y="0"/>
+          <a:ext cx="0" cy="0"/>
+          <a:chOff x="0" y="0"/>
+          <a:chExt cx="0" cy="0"/>
+        </a:xfrm>
+      </p:grpSpPr>
+      <p:sp>
+        <p:nvSpPr>
+          <p:cNvPr id="2" name="標題 1"/>
+          <p:cNvSpPr>
+            <a:spLocks noGrp="1"/>
+          </p:cNvSpPr>
+          <p:nvPr>
+            <p:ph type="title"/>
+          </p:nvPr>
+        </p:nvSpPr>
+        <p:spPr/>
+        <p:txBody>
+          <a:bodyPr/>
+          <a:lstStyle/>
+          <a:p>
+            <a:r>
+              <a:rPr lang="en-US" altLang="zh-TW" dirty="0" smtClean="0"/>
+              <a:t>CNN-SLAM</a:t>
+            </a:r>
+            <a:endParaRPr lang="zh-TW" altLang="en-US" dirty="0"/>
+          </a:p>
+        </p:txBody>
+      </p:sp>
+      <p:sp>
+        <p:nvSpPr>
+          <p:cNvPr id="3" name="內容版面配置區 2"/>
+          <p:cNvSpPr>
+            <a:spLocks noGrp="1"/>
+          </p:cNvSpPr>
+          <p:nvPr>
+            <p:ph idx="1"/>
+          </p:nvPr>
+        </p:nvSpPr>
+        <p:spPr/>
+        <p:txBody>
+          <a:bodyPr/>
+          <a:lstStyle/>
+          <a:p>
+            <a:r>
+              <a:rPr lang="en-US" altLang="zh-TW" dirty="0" smtClean="0"/>
+              <a:t>For Camera fusion</a:t>
+            </a:r>
+          </a:p>
+          <a:p>
+            <a:endParaRPr lang="en-US" altLang="zh-TW" dirty="0"/>
+          </a:p>
+          <a:p>
+            <a:endParaRPr lang="en-US" altLang="zh-TW" dirty="0" smtClean="0"/>
+          </a:p>
+          <a:p>
+            <a:endParaRPr lang="en-US" altLang="zh-TW" dirty="0" smtClean="0"/>
+          </a:p>
+          <a:p>
+            <a:endParaRPr lang="zh-TW" altLang="en-US" dirty="0"/>
+          </a:p>
+        </p:txBody>
+      </p:sp>
+      <p:pic>
+        <p:nvPicPr>
+          <p:cNvPr id="4" name="圖片 3"/>
+          <p:cNvPicPr>
+            <a:picLocks noChangeAspect="1"/>
+          </p:cNvPicPr>
+          <p:nvPr/>
+        </p:nvPicPr>
+        <p:blipFill>
+          <a:blip r:embed="rId2"/>
+          <a:stretch>
+            <a:fillRect/>
+          </a:stretch>
+        </p:blipFill>
+        <p:spPr>
+          <a:xfrm>
+            <a:off x="1159279" y="2195513"/>
+            <a:ext cx="3086100" cy="1009650"/>
+          </a:xfrm>
+          <a:prstGeom prst="rect">
+            <a:avLst/>
+          </a:prstGeom>
+        </p:spPr>
+      </p:pic>
+      <p:pic>
+        <p:nvPicPr>
+          <p:cNvPr id="5" name="圖片 4"/>
+          <p:cNvPicPr>
+            <a:picLocks noChangeAspect="1"/>
+          </p:cNvPicPr>
+          <p:nvPr/>
+        </p:nvPicPr>
+        <p:blipFill>
+          <a:blip r:embed="rId3"/>
+          <a:stretch>
+            <a:fillRect/>
+          </a:stretch>
+        </p:blipFill>
+        <p:spPr>
+          <a:xfrm>
+            <a:off x="2702329" y="3340100"/>
+            <a:ext cx="6924675" cy="2971800"/>
+          </a:xfrm>
+          <a:prstGeom prst="rect">
+            <a:avLst/>
+          </a:prstGeom>
+        </p:spPr>
+      </p:pic>
+    </p:spTree>
+    <p:extLst>
+      <p:ext uri="{BB962C8B-B14F-4D97-AF65-F5344CB8AC3E}">
+        <p14:creationId xmlns:p14="http://schemas.microsoft.com/office/powerpoint/2010/main" val="3438204617"/>
+      </p:ext>
+    </p:extLst>
+  </p:cSld>
+  <p:clrMapOvr>
+    <a:masterClrMapping/>
+  </p:clrMapOvr>
+  <p:timing>
+    <p:tnLst>
+      <p:par>
+        <p:cTn id="1" dur="indefinite" restart="never" nodeType="tmRoot"/>
+      </p:par>
+    </p:tnLst>
+  </p:timing>
+</p:sld>
+</file>
+
+<file path=ppt/slides/slide11.xml><?xml version="1.0" encoding="utf-8"?>
+<p:sld xmlns:a="http://schemas.openxmlformats.org/drawingml/2006/main" xmlns:r="http://schemas.openxmlformats.org/officeDocument/2006/relationships" xmlns:p="http://schemas.openxmlformats.org/presentationml/2006/main">
+  <p:cSld>
+    <p:spTree>
+      <p:nvGrpSpPr>
+        <p:cNvPr id="1" name=""/>
+        <p:cNvGrpSpPr/>
+        <p:nvPr/>
+      </p:nvGrpSpPr>
+      <p:grpSpPr>
+        <a:xfrm>
+          <a:off x="0" y="0"/>
+          <a:ext cx="0" cy="0"/>
+          <a:chOff x="0" y="0"/>
+          <a:chExt cx="0" cy="0"/>
+        </a:xfrm>
+      </p:grpSpPr>
+      <p:sp>
+        <p:nvSpPr>
+          <p:cNvPr id="2" name="標題 1"/>
+          <p:cNvSpPr>
+            <a:spLocks noGrp="1"/>
+          </p:cNvSpPr>
+          <p:nvPr>
+            <p:ph type="title"/>
+          </p:nvPr>
+        </p:nvSpPr>
+        <p:spPr/>
+        <p:txBody>
+          <a:bodyPr/>
+          <a:lstStyle/>
+          <a:p>
+            <a:r>
+              <a:rPr lang="en-US" altLang="zh-TW" dirty="0" smtClean="0"/>
+              <a:t>CNN-SLAM</a:t>
+            </a:r>
+            <a:endParaRPr lang="zh-TW" altLang="en-US" dirty="0"/>
+          </a:p>
+        </p:txBody>
+      </p:sp>
+      <p:sp>
+        <p:nvSpPr>
+          <p:cNvPr id="3" name="內容版面配置區 2"/>
+          <p:cNvSpPr>
+            <a:spLocks noGrp="1"/>
+          </p:cNvSpPr>
+          <p:nvPr>
+            <p:ph idx="1"/>
+          </p:nvPr>
+        </p:nvSpPr>
+        <p:spPr/>
+        <p:txBody>
+          <a:bodyPr/>
+          <a:lstStyle/>
+          <a:p>
+            <a:r>
+              <a:rPr lang="en-US" altLang="zh-TW" dirty="0" smtClean="0"/>
+              <a:t>If Pose Square greater than threshold, </a:t>
+            </a:r>
+            <a:r>
+              <a:rPr lang="en-US" altLang="zh-TW" dirty="0" smtClean="0">
+                <a:solidFill>
+                  <a:srgbClr val="FF0000"/>
+                </a:solidFill>
+              </a:rPr>
+              <a:t>add a new key fram</a:t>
+            </a:r>
+          </a:p>
+          <a:p>
+            <a:pPr marL="0" indent="0">
+              <a:buNone/>
+            </a:pPr>
+            <a:endParaRPr lang="en-US" altLang="zh-TW" dirty="0" smtClean="0">
+              <a:solidFill>
+                <a:srgbClr val="FF0000"/>
+              </a:solidFill>
+            </a:endParaRPr>
+          </a:p>
+          <a:p>
+            <a:pPr marL="0" indent="0">
+              <a:buNone/>
+            </a:pPr>
+            <a:endParaRPr lang="en-US" altLang="zh-TW" dirty="0" smtClean="0">
+              <a:solidFill>
+                <a:srgbClr val="FF0000"/>
+              </a:solidFill>
+            </a:endParaRPr>
+          </a:p>
+          <a:p>
+            <a:r>
+              <a:rPr lang="en-US" altLang="zh-TW" dirty="0" smtClean="0"/>
+              <a:t>For </a:t>
+            </a:r>
+            <a:r>
+              <a:rPr lang="en-US" altLang="zh-TW" dirty="0" smtClean="0">
+                <a:solidFill>
+                  <a:srgbClr val="FF0000"/>
+                </a:solidFill>
+              </a:rPr>
+              <a:t>non-key frame, </a:t>
+            </a:r>
+            <a:r>
+              <a:rPr lang="en-US" altLang="zh-TW" dirty="0" smtClean="0"/>
+              <a:t>use them to</a:t>
+            </a:r>
+            <a:r>
+              <a:rPr lang="en-US" altLang="zh-TW" dirty="0" smtClean="0">
+                <a:solidFill>
+                  <a:srgbClr val="FF0000"/>
+                </a:solidFill>
+              </a:rPr>
+              <a:t> optimize current key-frame</a:t>
+            </a:r>
+          </a:p>
+          <a:p>
+            <a:pPr marL="0" indent="0">
+              <a:buNone/>
+            </a:pPr>
+            <a:endParaRPr lang="en-US" altLang="zh-TW" dirty="0" smtClean="0"/>
+          </a:p>
+          <a:p>
+            <a:pPr marL="0" indent="0">
+              <a:buNone/>
+            </a:pPr>
+            <a:endParaRPr lang="en-US" altLang="zh-TW" dirty="0">
+              <a:solidFill>
+                <a:srgbClr val="FF0000"/>
+              </a:solidFill>
+            </a:endParaRPr>
+          </a:p>
+          <a:p>
+            <a:endParaRPr lang="zh-TW" altLang="en-US" dirty="0">
+              <a:solidFill>
+                <a:srgbClr val="FF0000"/>
+              </a:solidFill>
+            </a:endParaRPr>
+          </a:p>
+        </p:txBody>
+      </p:sp>
+      <p:pic>
+        <p:nvPicPr>
+          <p:cNvPr id="4" name="圖片 3"/>
+          <p:cNvPicPr>
+            <a:picLocks noChangeAspect="1"/>
+          </p:cNvPicPr>
+          <p:nvPr/>
+        </p:nvPicPr>
+        <p:blipFill>
+          <a:blip r:embed="rId2"/>
+          <a:stretch>
+            <a:fillRect/>
+          </a:stretch>
+        </p:blipFill>
+        <p:spPr>
+          <a:xfrm>
+            <a:off x="4063021" y="2340292"/>
+            <a:ext cx="3310370" cy="656819"/>
+          </a:xfrm>
+          <a:prstGeom prst="rect">
+            <a:avLst/>
+          </a:prstGeom>
+        </p:spPr>
+      </p:pic>
+    </p:spTree>
+    <p:extLst>
+      <p:ext uri="{BB962C8B-B14F-4D97-AF65-F5344CB8AC3E}">
+        <p14:creationId xmlns:p14="http://schemas.microsoft.com/office/powerpoint/2010/main" val="2646487479"/>
+      </p:ext>
+    </p:extLst>
+  </p:cSld>
+  <p:clrMapOvr>
+    <a:masterClrMapping/>
+  </p:clrMapOvr>
+  <p:timing>
+    <p:tnLst>
+      <p:par>
+        <p:cTn id="1" dur="indefinite" restart="never" nodeType="tmRoot"/>
+      </p:par>
+    </p:tnLst>
+  </p:timing>
+</p:sld>
+</file>
+
+<file path=ppt/slides/slide12.xml><?xml version="1.0" encoding="utf-8"?>
+<p:sld xmlns:a="http://schemas.openxmlformats.org/drawingml/2006/main" xmlns:r="http://schemas.openxmlformats.org/officeDocument/2006/relationships" xmlns:p="http://schemas.openxmlformats.org/presentationml/2006/main">
+  <p:cSld>
+    <p:spTree>
+      <p:nvGrpSpPr>
+        <p:cNvPr id="1" name=""/>
+        <p:cNvGrpSpPr/>
+        <p:nvPr/>
+      </p:nvGrpSpPr>
+      <p:grpSpPr>
+        <a:xfrm>
+          <a:off x="0" y="0"/>
+          <a:ext cx="0" cy="0"/>
+          <a:chOff x="0" y="0"/>
+          <a:chExt cx="0" cy="0"/>
+        </a:xfrm>
+      </p:grpSpPr>
+      <p:sp>
+        <p:nvSpPr>
+          <p:cNvPr id="2" name="標題 1"/>
+          <p:cNvSpPr>
+            <a:spLocks noGrp="1"/>
+          </p:cNvSpPr>
+          <p:nvPr>
+            <p:ph type="title"/>
+          </p:nvPr>
+        </p:nvSpPr>
+        <p:spPr/>
+        <p:txBody>
+          <a:bodyPr/>
+          <a:lstStyle/>
+          <a:p>
+            <a:r>
+              <a:rPr lang="en-US" altLang="zh-TW" dirty="0" smtClean="0"/>
+              <a:t>CNN-SLAM</a:t>
+            </a:r>
+            <a:endParaRPr lang="zh-TW" altLang="en-US" dirty="0"/>
+          </a:p>
+        </p:txBody>
+      </p:sp>
+      <p:sp>
+        <p:nvSpPr>
+          <p:cNvPr id="3" name="內容版面配置區 2"/>
+          <p:cNvSpPr>
+            <a:spLocks noGrp="1"/>
+          </p:cNvSpPr>
+          <p:nvPr>
+            <p:ph idx="1"/>
+          </p:nvPr>
+        </p:nvSpPr>
+        <p:spPr/>
+        <p:txBody>
+          <a:bodyPr/>
+          <a:lstStyle/>
+          <a:p>
+            <a:r>
+              <a:rPr lang="en-US" altLang="zh-TW" dirty="0" smtClean="0"/>
+              <a:t>Depth of current frame is predicted by small baseline match</a:t>
+            </a:r>
+          </a:p>
+          <a:p>
+            <a:endParaRPr lang="en-US" altLang="zh-TW" dirty="0"/>
+          </a:p>
+          <a:p>
+            <a:r>
+              <a:rPr lang="en-US" altLang="zh-TW" dirty="0" smtClean="0"/>
+              <a:t>For current key frame, calculate uncertainty map</a:t>
+            </a:r>
+          </a:p>
+          <a:p>
+            <a:endParaRPr lang="en-US" altLang="zh-TW" dirty="0"/>
+          </a:p>
+          <a:p>
+            <a:endParaRPr lang="en-US" altLang="zh-TW" dirty="0" smtClean="0"/>
+          </a:p>
+          <a:p>
+            <a:r>
+              <a:rPr lang="en-US" altLang="zh-TW" dirty="0" smtClean="0"/>
+              <a:t>Optimize current key frame depth by</a:t>
+            </a:r>
+          </a:p>
+          <a:p>
+            <a:endParaRPr lang="en-US" altLang="zh-TW" dirty="0" smtClean="0"/>
+          </a:p>
+          <a:p>
+            <a:endParaRPr lang="zh-TW" altLang="en-US" dirty="0"/>
+          </a:p>
+        </p:txBody>
+      </p:sp>
+      <p:pic>
+        <p:nvPicPr>
+          <p:cNvPr id="4" name="圖片 3"/>
+          <p:cNvPicPr>
+            <a:picLocks noChangeAspect="1"/>
+          </p:cNvPicPr>
+          <p:nvPr/>
+        </p:nvPicPr>
+        <p:blipFill>
+          <a:blip r:embed="rId2"/>
+          <a:stretch>
+            <a:fillRect/>
+          </a:stretch>
+        </p:blipFill>
+        <p:spPr>
+          <a:xfrm>
+            <a:off x="2035839" y="3433935"/>
+            <a:ext cx="6391275" cy="771525"/>
+          </a:xfrm>
+          <a:prstGeom prst="rect">
+            <a:avLst/>
+          </a:prstGeom>
+        </p:spPr>
+      </p:pic>
+      <p:pic>
+        <p:nvPicPr>
+          <p:cNvPr id="5" name="圖片 4"/>
+          <p:cNvPicPr>
+            <a:picLocks noChangeAspect="1"/>
+          </p:cNvPicPr>
+          <p:nvPr/>
+        </p:nvPicPr>
+        <p:blipFill>
+          <a:blip r:embed="rId3"/>
+          <a:stretch>
+            <a:fillRect/>
+          </a:stretch>
+        </p:blipFill>
+        <p:spPr>
+          <a:xfrm>
+            <a:off x="2280039" y="4904695"/>
+            <a:ext cx="6147075" cy="1818149"/>
+          </a:xfrm>
+          <a:prstGeom prst="rect">
+            <a:avLst/>
+          </a:prstGeom>
+        </p:spPr>
+      </p:pic>
+    </p:spTree>
+    <p:extLst>
+      <p:ext uri="{BB962C8B-B14F-4D97-AF65-F5344CB8AC3E}">
+        <p14:creationId xmlns:p14="http://schemas.microsoft.com/office/powerpoint/2010/main" val="2800348232"/>
+      </p:ext>
+    </p:extLst>
+  </p:cSld>
+  <p:clrMapOvr>
+    <a:masterClrMapping/>
+  </p:clrMapOvr>
+  <p:timing>
+    <p:tnLst>
+      <p:par>
+        <p:cTn id="1" dur="indefinite" restart="never" nodeType="tmRoot"/>
+      </p:par>
+    </p:tnLst>
+  </p:timing>
+</p:sld>
+</file>
+
+<file path=ppt/slides/slide13.xml><?xml version="1.0" encoding="utf-8"?>
+<p:sld xmlns:a="http://schemas.openxmlformats.org/drawingml/2006/main" xmlns:r="http://schemas.openxmlformats.org/officeDocument/2006/relationships" xmlns:p="http://schemas.openxmlformats.org/presentationml/2006/main">
+  <p:cSld>
+    <p:spTree>
+      <p:nvGrpSpPr>
+        <p:cNvPr id="1" name=""/>
+        <p:cNvGrpSpPr/>
+        <p:nvPr/>
+      </p:nvGrpSpPr>
+      <p:grpSpPr>
+        <a:xfrm>
+          <a:off x="0" y="0"/>
+          <a:ext cx="0" cy="0"/>
+          <a:chOff x="0" y="0"/>
+          <a:chExt cx="0" cy="0"/>
+        </a:xfrm>
+      </p:grpSpPr>
+      <p:sp>
+        <p:nvSpPr>
+          <p:cNvPr id="4" name="矩形 3"/>
+          <p:cNvSpPr/>
+          <p:nvPr/>
+        </p:nvSpPr>
+        <p:spPr>
+          <a:xfrm>
+            <a:off x="1717581" y="2568633"/>
+            <a:ext cx="9271843" cy="584775"/>
+          </a:xfrm>
+          <a:prstGeom prst="rect">
+            <a:avLst/>
+          </a:prstGeom>
+        </p:spPr>
+        <p:txBody>
+          <a:bodyPr wrap="square">
+            <a:spAutoFit/>
+          </a:bodyPr>
+          <a:lstStyle/>
+          <a:p>
+            <a:r>
+              <a:rPr lang="zh-TW" altLang="en-US" sz="3200" dirty="0">
+                <a:hlinkClick r:id="rId2"/>
+              </a:rPr>
+              <a:t>https://www.youtube.com/watch?v=z_NJxbkQnBU</a:t>
+            </a:r>
+            <a:endParaRPr lang="zh-TW" altLang="en-US" sz="3200" dirty="0"/>
+          </a:p>
+        </p:txBody>
+      </p:sp>
+    </p:spTree>
+    <p:extLst>
+      <p:ext uri="{BB962C8B-B14F-4D97-AF65-F5344CB8AC3E}">
+        <p14:creationId xmlns:p14="http://schemas.microsoft.com/office/powerpoint/2010/main" val="1099831198"/>
+      </p:ext>
+    </p:extLst>
+  </p:cSld>
+  <p:clrMapOvr>
+    <a:masterClrMapping/>
+  </p:clrMapOvr>
+  <p:timing>
+    <p:tnLst>
+      <p:par>
+        <p:cTn id="1" dur="indefinite" restart="never" nodeType="tmRoot"/>
+      </p:par>
+    </p:tnLst>
+  </p:timing>
 </p:sld>
 </file>
 
@@ -3202,39 +3773,6 @@
           <a:chExt cx="0" cy="0"/>
         </a:xfrm>
       </p:grpSpPr>
-      <p:sp>
-        <p:nvSpPr>
-          <p:cNvPr id="3" name="副標題 2"/>
-          <p:cNvSpPr>
-            <a:spLocks noGrp="1"/>
-          </p:cNvSpPr>
-          <p:nvPr>
-            <p:ph type="subTitle" idx="1"/>
-          </p:nvPr>
-        </p:nvSpPr>
-        <p:spPr>
-          <a:xfrm>
-            <a:off x="1622856" y="5937465"/>
-            <a:ext cx="9144000" cy="648686"/>
-          </a:xfrm>
-        </p:spPr>
-        <p:txBody>
-          <a:bodyPr/>
-          <a:lstStyle/>
-          <a:p>
-            <a:pPr algn="r"/>
-            <a:r>
-              <a:rPr kumimoji="1" lang="en-US" altLang="zh-TW" dirty="0" smtClean="0"/>
-              <a:t>106061531</a:t>
-            </a:r>
-            <a:r>
-              <a:rPr kumimoji="1" lang="zh-TW" altLang="en-US" dirty="0" smtClean="0"/>
-              <a:t>  王福恩</a:t>
-            </a:r>
-            <a:endParaRPr kumimoji="1" lang="zh-TW" altLang="en-US" dirty="0"/>
-          </a:p>
-        </p:txBody>
-      </p:sp>
       <p:pic>
         <p:nvPicPr>
           <p:cNvPr id="4" name="圖片 3"/>
@@ -3412,6 +3950,668 @@
     <p:extLst>
       <p:ext uri="{BB962C8B-B14F-4D97-AF65-F5344CB8AC3E}">
         <p14:creationId xmlns:p14="http://schemas.microsoft.com/office/powerpoint/2010/main" val="2015549239"/>
+      </p:ext>
+    </p:extLst>
+  </p:cSld>
+  <p:clrMapOvr>
+    <a:masterClrMapping/>
+  </p:clrMapOvr>
+  <p:timing>
+    <p:tnLst>
+      <p:par>
+        <p:cTn id="1" dur="indefinite" restart="never" nodeType="tmRoot"/>
+      </p:par>
+    </p:tnLst>
+  </p:timing>
+</p:sld>
+</file>
+
+<file path=ppt/slides/slide5.xml><?xml version="1.0" encoding="utf-8"?>
+<p:sld xmlns:a="http://schemas.openxmlformats.org/drawingml/2006/main" xmlns:r="http://schemas.openxmlformats.org/officeDocument/2006/relationships" xmlns:p="http://schemas.openxmlformats.org/presentationml/2006/main">
+  <p:cSld>
+    <p:spTree>
+      <p:nvGrpSpPr>
+        <p:cNvPr id="1" name=""/>
+        <p:cNvGrpSpPr/>
+        <p:nvPr/>
+      </p:nvGrpSpPr>
+      <p:grpSpPr>
+        <a:xfrm>
+          <a:off x="0" y="0"/>
+          <a:ext cx="0" cy="0"/>
+          <a:chOff x="0" y="0"/>
+          <a:chExt cx="0" cy="0"/>
+        </a:xfrm>
+      </p:grpSpPr>
+      <p:sp>
+        <p:nvSpPr>
+          <p:cNvPr id="2" name="標題 1"/>
+          <p:cNvSpPr>
+            <a:spLocks noGrp="1"/>
+          </p:cNvSpPr>
+          <p:nvPr>
+            <p:ph type="title"/>
+          </p:nvPr>
+        </p:nvSpPr>
+        <p:spPr/>
+        <p:txBody>
+          <a:bodyPr/>
+          <a:lstStyle/>
+          <a:p>
+            <a:r>
+              <a:rPr lang="en-US" altLang="zh-TW" dirty="0" smtClean="0"/>
+              <a:t>LSD-SLAM</a:t>
+            </a:r>
+            <a:endParaRPr lang="zh-TW" altLang="en-US" dirty="0"/>
+          </a:p>
+        </p:txBody>
+      </p:sp>
+      <p:pic>
+        <p:nvPicPr>
+          <p:cNvPr id="4" name="圖片 3"/>
+          <p:cNvPicPr>
+            <a:picLocks noChangeAspect="1"/>
+          </p:cNvPicPr>
+          <p:nvPr/>
+        </p:nvPicPr>
+        <p:blipFill>
+          <a:blip r:embed="rId2"/>
+          <a:stretch>
+            <a:fillRect/>
+          </a:stretch>
+        </p:blipFill>
+        <p:spPr>
+          <a:xfrm>
+            <a:off x="660400" y="1490132"/>
+            <a:ext cx="11416734" cy="4789223"/>
+          </a:xfrm>
+          <a:prstGeom prst="rect">
+            <a:avLst/>
+          </a:prstGeom>
+        </p:spPr>
+      </p:pic>
+    </p:spTree>
+    <p:extLst>
+      <p:ext uri="{BB962C8B-B14F-4D97-AF65-F5344CB8AC3E}">
+        <p14:creationId xmlns:p14="http://schemas.microsoft.com/office/powerpoint/2010/main" val="1201189275"/>
+      </p:ext>
+    </p:extLst>
+  </p:cSld>
+  <p:clrMapOvr>
+    <a:masterClrMapping/>
+  </p:clrMapOvr>
+</p:sld>
+</file>
+
+<file path=ppt/slides/slide6.xml><?xml version="1.0" encoding="utf-8"?>
+<p:sld xmlns:a="http://schemas.openxmlformats.org/drawingml/2006/main" xmlns:r="http://schemas.openxmlformats.org/officeDocument/2006/relationships" xmlns:p="http://schemas.openxmlformats.org/presentationml/2006/main">
+  <p:cSld>
+    <p:spTree>
+      <p:nvGrpSpPr>
+        <p:cNvPr id="1" name=""/>
+        <p:cNvGrpSpPr/>
+        <p:nvPr/>
+      </p:nvGrpSpPr>
+      <p:grpSpPr>
+        <a:xfrm>
+          <a:off x="0" y="0"/>
+          <a:ext cx="0" cy="0"/>
+          <a:chOff x="0" y="0"/>
+          <a:chExt cx="0" cy="0"/>
+        </a:xfrm>
+      </p:grpSpPr>
+      <p:sp>
+        <p:nvSpPr>
+          <p:cNvPr id="2" name="標題 1"/>
+          <p:cNvSpPr>
+            <a:spLocks noGrp="1"/>
+          </p:cNvSpPr>
+          <p:nvPr>
+            <p:ph type="title"/>
+          </p:nvPr>
+        </p:nvSpPr>
+        <p:spPr/>
+        <p:txBody>
+          <a:bodyPr/>
+          <a:lstStyle/>
+          <a:p>
+            <a:r>
+              <a:rPr lang="en-US" altLang="zh-TW" dirty="0" smtClean="0"/>
+              <a:t>LSD-SLAM</a:t>
+            </a:r>
+            <a:endParaRPr lang="zh-TW" altLang="en-US" dirty="0"/>
+          </a:p>
+        </p:txBody>
+      </p:sp>
+      <p:sp>
+        <p:nvSpPr>
+          <p:cNvPr id="3" name="內容版面配置區 2"/>
+          <p:cNvSpPr>
+            <a:spLocks noGrp="1"/>
+          </p:cNvSpPr>
+          <p:nvPr>
+            <p:ph idx="1"/>
+          </p:nvPr>
+        </p:nvSpPr>
+        <p:spPr/>
+        <p:txBody>
+          <a:bodyPr/>
+          <a:lstStyle/>
+          <a:p>
+            <a:r>
+              <a:rPr lang="en-US" altLang="zh-TW" dirty="0" smtClean="0"/>
+              <a:t>Predict depth map for key frame (Random initial for the first)</a:t>
+            </a:r>
+          </a:p>
+          <a:p>
+            <a:r>
+              <a:rPr lang="en-US" altLang="zh-TW" dirty="0" smtClean="0"/>
+              <a:t>Only at </a:t>
+            </a:r>
+            <a:r>
+              <a:rPr lang="en-US" altLang="zh-TW" dirty="0" smtClean="0">
+                <a:solidFill>
+                  <a:srgbClr val="FF0000"/>
+                </a:solidFill>
+              </a:rPr>
+              <a:t>high intensity gradient (semi-dense)</a:t>
+            </a:r>
+          </a:p>
+          <a:p>
+            <a:r>
+              <a:rPr lang="en-US" altLang="zh-TW" dirty="0" smtClean="0"/>
+              <a:t>Estimate Camera Pose to minimize </a:t>
+            </a:r>
+            <a:endParaRPr lang="zh-TW" altLang="en-US" dirty="0"/>
+          </a:p>
+        </p:txBody>
+      </p:sp>
+      <p:pic>
+        <p:nvPicPr>
+          <p:cNvPr id="4" name="圖片 3"/>
+          <p:cNvPicPr>
+            <a:picLocks noChangeAspect="1"/>
+          </p:cNvPicPr>
+          <p:nvPr/>
+        </p:nvPicPr>
+        <p:blipFill>
+          <a:blip r:embed="rId2"/>
+          <a:stretch>
+            <a:fillRect/>
+          </a:stretch>
+        </p:blipFill>
+        <p:spPr>
+          <a:xfrm>
+            <a:off x="2917420" y="3553413"/>
+            <a:ext cx="6558871" cy="2623549"/>
+          </a:xfrm>
+          <a:prstGeom prst="rect">
+            <a:avLst/>
+          </a:prstGeom>
+        </p:spPr>
+      </p:pic>
+    </p:spTree>
+    <p:extLst>
+      <p:ext uri="{BB962C8B-B14F-4D97-AF65-F5344CB8AC3E}">
+        <p14:creationId xmlns:p14="http://schemas.microsoft.com/office/powerpoint/2010/main" val="3920642168"/>
+      </p:ext>
+    </p:extLst>
+  </p:cSld>
+  <p:clrMapOvr>
+    <a:masterClrMapping/>
+  </p:clrMapOvr>
+  <p:timing>
+    <p:tnLst>
+      <p:par>
+        <p:cTn id="1" dur="indefinite" restart="never" nodeType="tmRoot"/>
+      </p:par>
+    </p:tnLst>
+  </p:timing>
+</p:sld>
+</file>
+
+<file path=ppt/slides/slide7.xml><?xml version="1.0" encoding="utf-8"?>
+<p:sld xmlns:a="http://schemas.openxmlformats.org/drawingml/2006/main" xmlns:r="http://schemas.openxmlformats.org/officeDocument/2006/relationships" xmlns:p="http://schemas.openxmlformats.org/presentationml/2006/main">
+  <p:cSld>
+    <p:spTree>
+      <p:nvGrpSpPr>
+        <p:cNvPr id="1" name=""/>
+        <p:cNvGrpSpPr/>
+        <p:nvPr/>
+      </p:nvGrpSpPr>
+      <p:grpSpPr>
+        <a:xfrm>
+          <a:off x="0" y="0"/>
+          <a:ext cx="0" cy="0"/>
+          <a:chOff x="0" y="0"/>
+          <a:chExt cx="0" cy="0"/>
+        </a:xfrm>
+      </p:grpSpPr>
+      <p:sp>
+        <p:nvSpPr>
+          <p:cNvPr id="2" name="標題 1"/>
+          <p:cNvSpPr>
+            <a:spLocks noGrp="1"/>
+          </p:cNvSpPr>
+          <p:nvPr>
+            <p:ph type="title"/>
+          </p:nvPr>
+        </p:nvSpPr>
+        <p:spPr/>
+        <p:txBody>
+          <a:bodyPr/>
+          <a:lstStyle/>
+          <a:p>
+            <a:r>
+              <a:rPr lang="en-US" altLang="zh-TW" dirty="0" smtClean="0"/>
+              <a:t>LSD-SLAM</a:t>
+            </a:r>
+            <a:endParaRPr lang="zh-TW" altLang="en-US" dirty="0"/>
+          </a:p>
+        </p:txBody>
+      </p:sp>
+      <p:sp>
+        <p:nvSpPr>
+          <p:cNvPr id="3" name="內容版面配置區 2"/>
+          <p:cNvSpPr>
+            <a:spLocks noGrp="1"/>
+          </p:cNvSpPr>
+          <p:nvPr>
+            <p:ph idx="1"/>
+          </p:nvPr>
+        </p:nvSpPr>
+        <p:spPr/>
+        <p:txBody>
+          <a:bodyPr/>
+          <a:lstStyle/>
+          <a:p>
+            <a:r>
+              <a:rPr lang="en-US" altLang="zh-TW" dirty="0" smtClean="0"/>
+              <a:t>If Pose Square greater than threshold, </a:t>
+            </a:r>
+            <a:r>
+              <a:rPr lang="en-US" altLang="zh-TW" dirty="0" smtClean="0">
+                <a:solidFill>
+                  <a:srgbClr val="FF0000"/>
+                </a:solidFill>
+              </a:rPr>
+              <a:t>add a new key fram</a:t>
+            </a:r>
+          </a:p>
+          <a:p>
+            <a:pPr marL="0" indent="0">
+              <a:buNone/>
+            </a:pPr>
+            <a:endParaRPr lang="en-US" altLang="zh-TW" dirty="0" smtClean="0">
+              <a:solidFill>
+                <a:srgbClr val="FF0000"/>
+              </a:solidFill>
+            </a:endParaRPr>
+          </a:p>
+          <a:p>
+            <a:pPr marL="0" indent="0">
+              <a:buNone/>
+            </a:pPr>
+            <a:endParaRPr lang="en-US" altLang="zh-TW" dirty="0" smtClean="0">
+              <a:solidFill>
+                <a:srgbClr val="FF0000"/>
+              </a:solidFill>
+            </a:endParaRPr>
+          </a:p>
+          <a:p>
+            <a:r>
+              <a:rPr lang="en-US" altLang="zh-TW" dirty="0" smtClean="0"/>
+              <a:t>For </a:t>
+            </a:r>
+            <a:r>
+              <a:rPr lang="en-US" altLang="zh-TW" dirty="0" smtClean="0">
+                <a:solidFill>
+                  <a:srgbClr val="FF0000"/>
+                </a:solidFill>
+              </a:rPr>
+              <a:t>non-key frame, </a:t>
+            </a:r>
+            <a:r>
+              <a:rPr lang="en-US" altLang="zh-TW" dirty="0" smtClean="0"/>
+              <a:t>use them to</a:t>
+            </a:r>
+            <a:r>
+              <a:rPr lang="en-US" altLang="zh-TW" dirty="0" smtClean="0">
+                <a:solidFill>
+                  <a:srgbClr val="FF0000"/>
+                </a:solidFill>
+              </a:rPr>
+              <a:t> optimize current key-frame</a:t>
+            </a:r>
+          </a:p>
+          <a:p>
+            <a:pPr marL="0" indent="0" algn="ctr">
+              <a:buNone/>
+            </a:pPr>
+            <a:r>
+              <a:rPr lang="en-US" altLang="zh-TW" dirty="0" smtClean="0"/>
+              <a:t>(</a:t>
+            </a:r>
+            <a:r>
+              <a:rPr lang="en-US" altLang="zh-TW" dirty="0" smtClean="0">
+                <a:solidFill>
+                  <a:srgbClr val="FF0000"/>
+                </a:solidFill>
+              </a:rPr>
+              <a:t>Small baseline stereo match</a:t>
+            </a:r>
+            <a:r>
+              <a:rPr lang="en-US" altLang="zh-TW" dirty="0" smtClean="0"/>
+              <a:t>)</a:t>
+            </a:r>
+          </a:p>
+          <a:p>
+            <a:pPr marL="0" indent="0" algn="ctr">
+              <a:buNone/>
+            </a:pPr>
+            <a:r>
+              <a:rPr lang="en-US" altLang="zh-TW" dirty="0">
+                <a:latin typeface="Garamond" panose="02020404030301010803" pitchFamily="18" charset="0"/>
+              </a:rPr>
+              <a:t>Semi-dense visual odometry for a monocular camera</a:t>
+            </a:r>
+            <a:endParaRPr lang="en-US" altLang="zh-TW" dirty="0" smtClean="0">
+              <a:latin typeface="Garamond" panose="02020404030301010803" pitchFamily="18" charset="0"/>
+            </a:endParaRPr>
+          </a:p>
+          <a:p>
+            <a:endParaRPr lang="en-US" altLang="zh-TW" dirty="0" smtClean="0"/>
+          </a:p>
+          <a:p>
+            <a:pPr marL="0" indent="0">
+              <a:buNone/>
+            </a:pPr>
+            <a:endParaRPr lang="en-US" altLang="zh-TW" dirty="0">
+              <a:solidFill>
+                <a:srgbClr val="FF0000"/>
+              </a:solidFill>
+            </a:endParaRPr>
+          </a:p>
+          <a:p>
+            <a:endParaRPr lang="zh-TW" altLang="en-US" dirty="0">
+              <a:solidFill>
+                <a:srgbClr val="FF0000"/>
+              </a:solidFill>
+            </a:endParaRPr>
+          </a:p>
+        </p:txBody>
+      </p:sp>
+      <p:pic>
+        <p:nvPicPr>
+          <p:cNvPr id="4" name="圖片 3"/>
+          <p:cNvPicPr>
+            <a:picLocks noChangeAspect="1"/>
+          </p:cNvPicPr>
+          <p:nvPr/>
+        </p:nvPicPr>
+        <p:blipFill>
+          <a:blip r:embed="rId2"/>
+          <a:stretch>
+            <a:fillRect/>
+          </a:stretch>
+        </p:blipFill>
+        <p:spPr>
+          <a:xfrm>
+            <a:off x="4063021" y="2340292"/>
+            <a:ext cx="3310370" cy="656819"/>
+          </a:xfrm>
+          <a:prstGeom prst="rect">
+            <a:avLst/>
+          </a:prstGeom>
+        </p:spPr>
+      </p:pic>
+    </p:spTree>
+    <p:extLst>
+      <p:ext uri="{BB962C8B-B14F-4D97-AF65-F5344CB8AC3E}">
+        <p14:creationId xmlns:p14="http://schemas.microsoft.com/office/powerpoint/2010/main" val="2841214534"/>
+      </p:ext>
+    </p:extLst>
+  </p:cSld>
+  <p:clrMapOvr>
+    <a:masterClrMapping/>
+  </p:clrMapOvr>
+  <p:timing>
+    <p:tnLst>
+      <p:par>
+        <p:cTn id="1" dur="indefinite" restart="never" nodeType="tmRoot"/>
+      </p:par>
+    </p:tnLst>
+  </p:timing>
+</p:sld>
+</file>
+
+<file path=ppt/slides/slide8.xml><?xml version="1.0" encoding="utf-8"?>
+<p:sld xmlns:a="http://schemas.openxmlformats.org/drawingml/2006/main" xmlns:r="http://schemas.openxmlformats.org/officeDocument/2006/relationships" xmlns:p="http://schemas.openxmlformats.org/presentationml/2006/main">
+  <p:cSld>
+    <p:spTree>
+      <p:nvGrpSpPr>
+        <p:cNvPr id="1" name=""/>
+        <p:cNvGrpSpPr/>
+        <p:nvPr/>
+      </p:nvGrpSpPr>
+      <p:grpSpPr>
+        <a:xfrm>
+          <a:off x="0" y="0"/>
+          <a:ext cx="0" cy="0"/>
+          <a:chOff x="0" y="0"/>
+          <a:chExt cx="0" cy="0"/>
+        </a:xfrm>
+      </p:grpSpPr>
+      <p:sp>
+        <p:nvSpPr>
+          <p:cNvPr id="2" name="標題 1"/>
+          <p:cNvSpPr>
+            <a:spLocks noGrp="1"/>
+          </p:cNvSpPr>
+          <p:nvPr>
+            <p:ph type="title"/>
+          </p:nvPr>
+        </p:nvSpPr>
+        <p:spPr/>
+        <p:txBody>
+          <a:bodyPr/>
+          <a:lstStyle/>
+          <a:p>
+            <a:r>
+              <a:rPr lang="en-US" altLang="zh-TW" dirty="0" smtClean="0"/>
+              <a:t>CNN-SLAM</a:t>
+            </a:r>
+            <a:endParaRPr lang="zh-TW" altLang="en-US" dirty="0"/>
+          </a:p>
+        </p:txBody>
+      </p:sp>
+      <p:pic>
+        <p:nvPicPr>
+          <p:cNvPr id="4" name="圖片 3"/>
+          <p:cNvPicPr>
+            <a:picLocks noChangeAspect="1"/>
+          </p:cNvPicPr>
+          <p:nvPr/>
+        </p:nvPicPr>
+        <p:blipFill>
+          <a:blip r:embed="rId2"/>
+          <a:stretch>
+            <a:fillRect/>
+          </a:stretch>
+        </p:blipFill>
+        <p:spPr>
+          <a:xfrm>
+            <a:off x="57150" y="1825076"/>
+            <a:ext cx="12077700" cy="3324225"/>
+          </a:xfrm>
+          <a:prstGeom prst="rect">
+            <a:avLst/>
+          </a:prstGeom>
+        </p:spPr>
+      </p:pic>
+    </p:spTree>
+    <p:extLst>
+      <p:ext uri="{BB962C8B-B14F-4D97-AF65-F5344CB8AC3E}">
+        <p14:creationId xmlns:p14="http://schemas.microsoft.com/office/powerpoint/2010/main" val="2651956092"/>
+      </p:ext>
+    </p:extLst>
+  </p:cSld>
+  <p:clrMapOvr>
+    <a:masterClrMapping/>
+  </p:clrMapOvr>
+</p:sld>
+</file>
+
+<file path=ppt/slides/slide9.xml><?xml version="1.0" encoding="utf-8"?>
+<p:sld xmlns:a="http://schemas.openxmlformats.org/drawingml/2006/main" xmlns:r="http://schemas.openxmlformats.org/officeDocument/2006/relationships" xmlns:p="http://schemas.openxmlformats.org/presentationml/2006/main">
+  <p:cSld>
+    <p:spTree>
+      <p:nvGrpSpPr>
+        <p:cNvPr id="1" name=""/>
+        <p:cNvGrpSpPr/>
+        <p:nvPr/>
+      </p:nvGrpSpPr>
+      <p:grpSpPr>
+        <a:xfrm>
+          <a:off x="0" y="0"/>
+          <a:ext cx="0" cy="0"/>
+          <a:chOff x="0" y="0"/>
+          <a:chExt cx="0" cy="0"/>
+        </a:xfrm>
+      </p:grpSpPr>
+      <p:sp>
+        <p:nvSpPr>
+          <p:cNvPr id="2" name="標題 1"/>
+          <p:cNvSpPr>
+            <a:spLocks noGrp="1"/>
+          </p:cNvSpPr>
+          <p:nvPr>
+            <p:ph type="title"/>
+          </p:nvPr>
+        </p:nvSpPr>
+        <p:spPr/>
+        <p:txBody>
+          <a:bodyPr/>
+          <a:lstStyle/>
+          <a:p>
+            <a:r>
+              <a:rPr lang="en-US" altLang="zh-TW" dirty="0" smtClean="0"/>
+              <a:t>CNN-SLAM</a:t>
+            </a:r>
+            <a:endParaRPr lang="zh-TW" altLang="en-US" dirty="0"/>
+          </a:p>
+        </p:txBody>
+      </p:sp>
+      <p:sp>
+        <p:nvSpPr>
+          <p:cNvPr id="3" name="內容版面配置區 2"/>
+          <p:cNvSpPr>
+            <a:spLocks noGrp="1"/>
+          </p:cNvSpPr>
+          <p:nvPr>
+            <p:ph idx="1"/>
+          </p:nvPr>
+        </p:nvSpPr>
+        <p:spPr>
+          <a:xfrm>
+            <a:off x="838199" y="1825625"/>
+            <a:ext cx="10882745" cy="4351338"/>
+          </a:xfrm>
+        </p:spPr>
+        <p:txBody>
+          <a:bodyPr/>
+          <a:lstStyle/>
+          <a:p>
+            <a:r>
+              <a:rPr lang="en-US" altLang="zh-TW" dirty="0" smtClean="0"/>
+              <a:t>Use </a:t>
+            </a:r>
+            <a:r>
+              <a:rPr lang="en-US" altLang="zh-TW" dirty="0" smtClean="0">
+                <a:solidFill>
+                  <a:srgbClr val="FF0000"/>
+                </a:solidFill>
+              </a:rPr>
+              <a:t>CNN to predict depth</a:t>
+            </a:r>
+            <a:r>
+              <a:rPr lang="en-US" altLang="zh-TW" dirty="0" smtClean="0"/>
+              <a:t> for each key frame</a:t>
+            </a:r>
+          </a:p>
+          <a:p>
+            <a:pPr marL="0" indent="0">
+              <a:buNone/>
+            </a:pPr>
+            <a:r>
+              <a:rPr lang="en-US" altLang="zh-TW" dirty="0"/>
+              <a:t>   (Deeper Depth Prediction with Fully Convolutional Residual Networks)</a:t>
+            </a:r>
+          </a:p>
+          <a:p>
+            <a:r>
+              <a:rPr lang="en-US" altLang="zh-TW" dirty="0" smtClean="0">
+                <a:solidFill>
+                  <a:srgbClr val="FF0000"/>
+                </a:solidFill>
+              </a:rPr>
+              <a:t>Dense depth map</a:t>
+            </a:r>
+          </a:p>
+          <a:p>
+            <a:r>
+              <a:rPr lang="en-US" altLang="zh-TW" dirty="0"/>
+              <a:t>Estimate Camera Pose to minimize </a:t>
+            </a:r>
+            <a:endParaRPr lang="zh-TW" altLang="en-US" dirty="0"/>
+          </a:p>
+          <a:p>
+            <a:pPr marL="0" indent="0">
+              <a:buNone/>
+            </a:pPr>
+            <a:endParaRPr lang="en-US" altLang="zh-TW" dirty="0" smtClean="0">
+              <a:solidFill>
+                <a:srgbClr val="FF0000"/>
+              </a:solidFill>
+            </a:endParaRPr>
+          </a:p>
+          <a:p>
+            <a:endParaRPr lang="zh-TW" altLang="en-US" dirty="0">
+              <a:solidFill>
+                <a:srgbClr val="FF0000"/>
+              </a:solidFill>
+            </a:endParaRPr>
+          </a:p>
+        </p:txBody>
+      </p:sp>
+      <p:pic>
+        <p:nvPicPr>
+          <p:cNvPr id="4" name="圖片 3"/>
+          <p:cNvPicPr>
+            <a:picLocks noChangeAspect="1"/>
+          </p:cNvPicPr>
+          <p:nvPr/>
+        </p:nvPicPr>
+        <p:blipFill>
+          <a:blip r:embed="rId2"/>
+          <a:stretch>
+            <a:fillRect/>
+          </a:stretch>
+        </p:blipFill>
+        <p:spPr>
+          <a:xfrm>
+            <a:off x="3950708" y="3911484"/>
+            <a:ext cx="4657725" cy="1562100"/>
+          </a:xfrm>
+          <a:prstGeom prst="rect">
+            <a:avLst/>
+          </a:prstGeom>
+        </p:spPr>
+      </p:pic>
+    </p:spTree>
+    <p:extLst>
+      <p:ext uri="{BB962C8B-B14F-4D97-AF65-F5344CB8AC3E}">
+        <p14:creationId xmlns:p14="http://schemas.microsoft.com/office/powerpoint/2010/main" val="3351299758"/>
       </p:ext>
     </p:extLst>
   </p:cSld>

--- a/3D Driving Car/meet_1016.pptx
+++ b/3D Driving Car/meet_1016.pptx
@@ -4040,6 +4040,13 @@
   <p:clrMapOvr>
     <a:masterClrMapping/>
   </p:clrMapOvr>
+  <p:timing>
+    <p:tnLst>
+      <p:par>
+        <p:cTn id="1" dur="indefinite" restart="never" nodeType="tmRoot"/>
+      </p:par>
+    </p:tnLst>
+  </p:timing>
 </p:sld>
 </file>
 
@@ -4459,6 +4466,13 @@
   <p:clrMapOvr>
     <a:masterClrMapping/>
   </p:clrMapOvr>
+  <p:timing>
+    <p:tnLst>
+      <p:par>
+        <p:cTn id="1" dur="indefinite" restart="never" nodeType="tmRoot"/>
+      </p:par>
+    </p:tnLst>
+  </p:timing>
 </p:sld>
 </file>
 
